--- a/ppt/算法讲解121【扩展】树上问题专题4-树的直径.pptx
+++ b/ppt/算法讲解121【扩展】树上问题专题4-树的直径.pptx
@@ -5276,7 +5276,7 @@
               </a:defRPr>
             </a:pPr>
             <a:r>
-              <a:t>所有节点可能形成多个联通区，每个联通区保证是树结构</a:t>
+              <a:t>所有节点可能形成多个连通区，每个连通区保证是树结构</a:t>
             </a:r>
           </a:p>
           <a:p>
@@ -5308,7 +5308,7 @@
               </a:defRPr>
             </a:pPr>
             <a:r>
-              <a:t>操作 1 x   : 返回x所在联通区的直径长度</a:t>
+              <a:t>操作 1 x   : 返回x所在连通区的直径长度</a:t>
             </a:r>
           </a:p>
           <a:p>
@@ -5324,7 +5324,7 @@
               </a:defRPr>
             </a:pPr>
             <a:r>
-              <a:t>操作 2 x y : 如果x和y已经联通，那么忽略</a:t>
+              <a:t>操作 2 x y : 如果x和y已经连通，那么忽略</a:t>
             </a:r>
           </a:p>
           <a:p>
@@ -5340,7 +5340,7 @@
               </a:defRPr>
             </a:pPr>
             <a:r>
-              <a:t>             如果不联通，那么执行联通操作，把x和y各自的区域联通起来</a:t>
+              <a:t>             如果不连通，那么执行连通操作，把x和y各自的区域连通起来</a:t>
             </a:r>
           </a:p>
           <a:p>
@@ -5356,7 +5356,7 @@
               </a:defRPr>
             </a:pPr>
             <a:r>
-              <a:t>             并且要保证联通形成大区域的直径长度最小</a:t>
+              <a:t>             并且要保证连通形成大区域的直径长度最小</a:t>
             </a:r>
           </a:p>
           <a:p>
